--- a/etc/DLW.pptx
+++ b/etc/DLW.pptx
@@ -7,6 +7,8 @@
   <p:sldIdLst>
     <p:sldId id="256" r:id="rId2"/>
     <p:sldId id="257" r:id="rId3"/>
+    <p:sldId id="258" r:id="rId4"/>
+    <p:sldId id="259" r:id="rId5"/>
   </p:sldIdLst>
   <p:sldSz cx="12192000" cy="6858000"/>
   <p:notesSz cx="6858000" cy="9144000"/>
@@ -105,6 +107,11 @@
       </a:defRPr>
     </a:lvl9pPr>
   </p:defaultTextStyle>
+  <p:extLst>
+    <p:ext uri="{EFAFB233-063F-42B5-8137-9DF3F51BA10A}">
+      <p15:sldGuideLst xmlns:p15="http://schemas.microsoft.com/office/powerpoint/2012/main"/>
+    </p:ext>
+  </p:extLst>
 </p:presentation>
 </file>
 
@@ -3454,42 +3461,81 @@
           <a:p>
             <a:r>
               <a:rPr lang="en-US" dirty="0"/>
+              <a:t>Markups estimation</a:t>
+            </a:r>
+            <a:endParaRPr lang="en-AU" dirty="0"/>
+          </a:p>
+        </p:txBody>
+      </p:sp>
+      <p:sp>
+        <p:nvSpPr>
+          <p:cNvPr id="3" name="Content Placeholder 2">
+            <a:extLst>
+              <a:ext uri="{FF2B5EF4-FFF2-40B4-BE49-F238E27FC236}">
+                <a16:creationId xmlns:a16="http://schemas.microsoft.com/office/drawing/2014/main" id="{AF02BE8B-C88A-266B-1777-7A1EA76E01F7}"/>
+              </a:ext>
+            </a:extLst>
+          </p:cNvPr>
+          <p:cNvSpPr>
+            <a:spLocks noGrp="1"/>
+          </p:cNvSpPr>
+          <p:nvPr>
+            <p:ph idx="1"/>
+          </p:nvPr>
+        </p:nvSpPr>
+        <p:spPr/>
+        <p:txBody>
+          <a:bodyPr>
+            <a:normAutofit lnSpcReduction="10000"/>
+          </a:bodyPr>
+          <a:lstStyle/>
+          <a:p>
+            <a:r>
+              <a:rPr lang="en-US" dirty="0"/>
+              <a:t>In the industrial organization literature, estimating markups has long been a tradition.</a:t>
+            </a:r>
+          </a:p>
+          <a:p>
+            <a:pPr lvl="1"/>
+            <a:r>
+              <a:rPr lang="en-US" dirty="0"/>
+              <a:t>That is, there are information in the price-cost margin that’s not necessarily markups.</a:t>
+            </a:r>
+          </a:p>
+          <a:p>
+            <a:r>
+              <a:rPr lang="en-AU" dirty="0"/>
+              <a:t>In the recent literature, estimating markups uses the notion that under the perfect competition condition, the growth of output must be in-proportion with the growth of inputs.</a:t>
+            </a:r>
+          </a:p>
+          <a:p>
+            <a:pPr lvl="1"/>
+            <a:r>
+              <a:rPr lang="en-AU" dirty="0"/>
+              <a:t>That is, perfectly competitive firms will have to share the same revenue with its factor of productions, most notably labour.</a:t>
+            </a:r>
+          </a:p>
+          <a:p>
+            <a:r>
+              <a:rPr lang="en-AU" dirty="0"/>
               <a:t>De </a:t>
             </a:r>
             <a:r>
-              <a:rPr lang="en-US" dirty="0" err="1"/>
+              <a:rPr lang="en-AU" dirty="0" err="1"/>
               <a:t>Loecker</a:t>
             </a:r>
             <a:r>
-              <a:rPr lang="en-US" dirty="0"/>
-              <a:t> </a:t>
-            </a:r>
-            <a:endParaRPr lang="en-AU" dirty="0"/>
-          </a:p>
-        </p:txBody>
-      </p:sp>
-      <p:sp>
-        <p:nvSpPr>
-          <p:cNvPr id="3" name="Content Placeholder 2">
-            <a:extLst>
-              <a:ext uri="{FF2B5EF4-FFF2-40B4-BE49-F238E27FC236}">
-                <a16:creationId xmlns:a16="http://schemas.microsoft.com/office/drawing/2014/main" id="{AF02BE8B-C88A-266B-1777-7A1EA76E01F7}"/>
-              </a:ext>
-            </a:extLst>
-          </p:cNvPr>
-          <p:cNvSpPr>
-            <a:spLocks noGrp="1"/>
-          </p:cNvSpPr>
-          <p:nvPr>
-            <p:ph idx="1"/>
-          </p:nvPr>
-        </p:nvSpPr>
-        <p:spPr/>
-        <p:txBody>
-          <a:bodyPr/>
-          <a:lstStyle/>
-          <a:p>
-            <a:endParaRPr lang="en-AU"/>
+              <a:rPr lang="en-AU" dirty="0"/>
+              <a:t> and </a:t>
+            </a:r>
+            <a:r>
+              <a:rPr lang="en-AU" dirty="0" err="1"/>
+              <a:t>Warzynski</a:t>
+            </a:r>
+            <a:r>
+              <a:rPr lang="en-AU" dirty="0"/>
+              <a:t> (2012) (DLW hereafter) is the frontier markups estimators at the moment.</a:t>
+            </a:r>
           </a:p>
         </p:txBody>
       </p:sp>
@@ -3497,6 +3543,1008 @@
     <p:extLst>
       <p:ext uri="{BB962C8B-B14F-4D97-AF65-F5344CB8AC3E}">
         <p14:creationId xmlns:p14="http://schemas.microsoft.com/office/powerpoint/2010/main" val="65023863"/>
+      </p:ext>
+    </p:extLst>
+  </p:cSld>
+  <p:clrMapOvr>
+    <a:masterClrMapping/>
+  </p:clrMapOvr>
+</p:sld>
+</file>
+
+<file path=ppt/slides/slide3.xml><?xml version="1.0" encoding="utf-8"?>
+<p:sld xmlns:a="http://schemas.openxmlformats.org/drawingml/2006/main" xmlns:r="http://schemas.openxmlformats.org/officeDocument/2006/relationships" xmlns:p="http://schemas.openxmlformats.org/presentationml/2006/main">
+  <p:cSld>
+    <p:spTree>
+      <p:nvGrpSpPr>
+        <p:cNvPr id="1" name=""/>
+        <p:cNvGrpSpPr/>
+        <p:nvPr/>
+      </p:nvGrpSpPr>
+      <p:grpSpPr>
+        <a:xfrm>
+          <a:off x="0" y="0"/>
+          <a:ext cx="0" cy="0"/>
+          <a:chOff x="0" y="0"/>
+          <a:chExt cx="0" cy="0"/>
+        </a:xfrm>
+      </p:grpSpPr>
+      <p:sp>
+        <p:nvSpPr>
+          <p:cNvPr id="2" name="Title 1">
+            <a:extLst>
+              <a:ext uri="{FF2B5EF4-FFF2-40B4-BE49-F238E27FC236}">
+                <a16:creationId xmlns:a16="http://schemas.microsoft.com/office/drawing/2014/main" id="{676386C5-6065-0604-AA73-78C3E49E5A40}"/>
+              </a:ext>
+            </a:extLst>
+          </p:cNvPr>
+          <p:cNvSpPr>
+            <a:spLocks noGrp="1"/>
+          </p:cNvSpPr>
+          <p:nvPr>
+            <p:ph type="title"/>
+          </p:nvPr>
+        </p:nvSpPr>
+        <p:spPr/>
+        <p:txBody>
+          <a:bodyPr/>
+          <a:lstStyle/>
+          <a:p>
+            <a:r>
+              <a:rPr lang="en-US" dirty="0"/>
+              <a:t>DLW framework</a:t>
+            </a:r>
+            <a:endParaRPr lang="en-AU" dirty="0"/>
+          </a:p>
+        </p:txBody>
+      </p:sp>
+      <mc:AlternateContent xmlns:mc="http://schemas.openxmlformats.org/markup-compatibility/2006" xmlns:a14="http://schemas.microsoft.com/office/drawing/2010/main">
+        <mc:Choice Requires="a14">
+          <p:sp>
+            <p:nvSpPr>
+              <p:cNvPr id="3" name="Content Placeholder 2">
+                <a:extLst>
+                  <a:ext uri="{FF2B5EF4-FFF2-40B4-BE49-F238E27FC236}">
+                    <a16:creationId xmlns:a16="http://schemas.microsoft.com/office/drawing/2014/main" id="{CCDEB151-4374-0EC0-2E52-B53BB8A71AB7}"/>
+                  </a:ext>
+                </a:extLst>
+              </p:cNvPr>
+              <p:cNvSpPr>
+                <a:spLocks noGrp="1"/>
+              </p:cNvSpPr>
+              <p:nvPr>
+                <p:ph idx="1"/>
+              </p:nvPr>
+            </p:nvSpPr>
+            <p:spPr/>
+            <p:txBody>
+              <a:bodyPr>
+                <a:normAutofit lnSpcReduction="10000"/>
+              </a:bodyPr>
+              <a:lstStyle/>
+              <a:p>
+                <a:r>
+                  <a:rPr lang="en-US" dirty="0"/>
+                  <a:t>Let there be a production function </a:t>
+                </a:r>
+                <a14:m>
+                  <m:oMath xmlns:m="http://schemas.openxmlformats.org/officeDocument/2006/math">
+                    <m:r>
+                      <a:rPr lang="en-US" b="0" i="1" smtClean="0">
+                        <a:latin typeface="Cambria Math" panose="02040503050406030204" pitchFamily="18" charset="0"/>
+                      </a:rPr>
+                      <m:t>𝑄</m:t>
+                    </m:r>
+                    <m:r>
+                      <a:rPr lang="en-US" b="0" i="1" smtClean="0">
+                        <a:latin typeface="Cambria Math" panose="02040503050406030204" pitchFamily="18" charset="0"/>
+                      </a:rPr>
+                      <m:t>=</m:t>
+                    </m:r>
+                    <m:r>
+                      <a:rPr lang="en-US" b="0" i="1" smtClean="0">
+                        <a:latin typeface="Cambria Math" panose="02040503050406030204" pitchFamily="18" charset="0"/>
+                      </a:rPr>
+                      <m:t>𝐹</m:t>
+                    </m:r>
+                    <m:r>
+                      <a:rPr lang="en-US" b="0" i="1" smtClean="0">
+                        <a:latin typeface="Cambria Math" panose="02040503050406030204" pitchFamily="18" charset="0"/>
+                      </a:rPr>
+                      <m:t>(</m:t>
+                    </m:r>
+                    <m:r>
+                      <a:rPr lang="en-US" b="0" i="1" smtClean="0">
+                        <a:latin typeface="Cambria Math" panose="02040503050406030204" pitchFamily="18" charset="0"/>
+                      </a:rPr>
+                      <m:t>𝐾</m:t>
+                    </m:r>
+                    <m:r>
+                      <a:rPr lang="en-US" b="0" i="1" smtClean="0">
+                        <a:latin typeface="Cambria Math" panose="02040503050406030204" pitchFamily="18" charset="0"/>
+                      </a:rPr>
+                      <m:t>,</m:t>
+                    </m:r>
+                    <m:r>
+                      <a:rPr lang="en-US" b="0" i="1" smtClean="0">
+                        <a:latin typeface="Cambria Math" panose="02040503050406030204" pitchFamily="18" charset="0"/>
+                      </a:rPr>
+                      <m:t>𝐿</m:t>
+                    </m:r>
+                    <m:r>
+                      <a:rPr lang="en-US" b="0" i="1" smtClean="0">
+                        <a:latin typeface="Cambria Math" panose="02040503050406030204" pitchFamily="18" charset="0"/>
+                      </a:rPr>
+                      <m:t>)</m:t>
+                    </m:r>
+                  </m:oMath>
+                </a14:m>
+                <a:endParaRPr lang="en-AU" dirty="0"/>
+              </a:p>
+              <a:p>
+                <a:r>
+                  <a:rPr lang="en-AU" dirty="0"/>
+                  <a:t>In the perfect competition we know that factor price equals its marginal benefit</a:t>
+                </a:r>
+              </a:p>
+              <a:p>
+                <a:pPr marL="0" indent="0">
+                  <a:buNone/>
+                </a:pPr>
+                <a14:m>
+                  <m:oMathPara xmlns:m="http://schemas.openxmlformats.org/officeDocument/2006/math">
+                    <m:oMathParaPr>
+                      <m:jc m:val="centerGroup"/>
+                    </m:oMathParaPr>
+                    <m:oMath xmlns:m="http://schemas.openxmlformats.org/officeDocument/2006/math">
+                      <m:r>
+                        <a:rPr lang="en-US" b="0" i="1" smtClean="0">
+                          <a:latin typeface="Cambria Math" panose="02040503050406030204" pitchFamily="18" charset="0"/>
+                        </a:rPr>
+                        <m:t>𝑤</m:t>
+                      </m:r>
+                      <m:r>
+                        <a:rPr lang="en-US" b="0" i="1" smtClean="0">
+                          <a:latin typeface="Cambria Math" panose="02040503050406030204" pitchFamily="18" charset="0"/>
+                        </a:rPr>
+                        <m:t>=</m:t>
+                      </m:r>
+                      <m:sSub>
+                        <m:sSubPr>
+                          <m:ctrlPr>
+                            <a:rPr lang="en-US" b="0" i="1" smtClean="0">
+                              <a:latin typeface="Cambria Math" panose="02040503050406030204" pitchFamily="18" charset="0"/>
+                            </a:rPr>
+                          </m:ctrlPr>
+                        </m:sSubPr>
+                        <m:e>
+                          <m:r>
+                            <a:rPr lang="en-US" b="0" i="1" smtClean="0">
+                              <a:latin typeface="Cambria Math" panose="02040503050406030204" pitchFamily="18" charset="0"/>
+                            </a:rPr>
+                            <m:t>𝐹</m:t>
+                          </m:r>
+                        </m:e>
+                        <m:sub>
+                          <m:r>
+                            <a:rPr lang="en-US" b="0" i="1" smtClean="0">
+                              <a:latin typeface="Cambria Math" panose="02040503050406030204" pitchFamily="18" charset="0"/>
+                            </a:rPr>
+                            <m:t>𝐿</m:t>
+                          </m:r>
+                        </m:sub>
+                      </m:sSub>
+                      <m:r>
+                        <a:rPr lang="en-US" b="0" i="1" smtClean="0">
+                          <a:latin typeface="Cambria Math" panose="02040503050406030204" pitchFamily="18" charset="0"/>
+                        </a:rPr>
+                        <m:t>(</m:t>
+                      </m:r>
+                      <m:r>
+                        <a:rPr lang="en-US" b="0" i="1" smtClean="0">
+                          <a:latin typeface="Cambria Math" panose="02040503050406030204" pitchFamily="18" charset="0"/>
+                        </a:rPr>
+                        <m:t>𝐾</m:t>
+                      </m:r>
+                      <m:r>
+                        <a:rPr lang="en-US" b="0" i="1" smtClean="0">
+                          <a:latin typeface="Cambria Math" panose="02040503050406030204" pitchFamily="18" charset="0"/>
+                        </a:rPr>
+                        <m:t>,</m:t>
+                      </m:r>
+                      <m:r>
+                        <a:rPr lang="en-US" b="0" i="1" smtClean="0">
+                          <a:latin typeface="Cambria Math" panose="02040503050406030204" pitchFamily="18" charset="0"/>
+                        </a:rPr>
+                        <m:t>𝐿</m:t>
+                      </m:r>
+                      <m:r>
+                        <a:rPr lang="en-US" b="0" i="1" smtClean="0">
+                          <a:latin typeface="Cambria Math" panose="02040503050406030204" pitchFamily="18" charset="0"/>
+                        </a:rPr>
+                        <m:t>)</m:t>
+                      </m:r>
+                    </m:oMath>
+                  </m:oMathPara>
+                </a14:m>
+                <a:endParaRPr lang="en-AU" dirty="0"/>
+              </a:p>
+              <a:p>
+                <a:r>
+                  <a:rPr lang="en-AU" dirty="0"/>
+                  <a:t>Therefore, </a:t>
+                </a:r>
+                <a14:m>
+                  <m:oMath xmlns:m="http://schemas.openxmlformats.org/officeDocument/2006/math">
+                    <m:f>
+                      <m:fPr>
+                        <m:ctrlPr>
+                          <a:rPr lang="en-US" b="0" i="1" smtClean="0">
+                            <a:latin typeface="Cambria Math" panose="02040503050406030204" pitchFamily="18" charset="0"/>
+                          </a:rPr>
+                        </m:ctrlPr>
+                      </m:fPr>
+                      <m:num>
+                        <m:sSub>
+                          <m:sSubPr>
+                            <m:ctrlPr>
+                              <a:rPr lang="en-US" b="0" i="1" smtClean="0">
+                                <a:latin typeface="Cambria Math" panose="02040503050406030204" pitchFamily="18" charset="0"/>
+                              </a:rPr>
+                            </m:ctrlPr>
+                          </m:sSubPr>
+                          <m:e>
+                            <m:r>
+                              <a:rPr lang="en-US" b="0" i="1" smtClean="0">
+                                <a:latin typeface="Cambria Math" panose="02040503050406030204" pitchFamily="18" charset="0"/>
+                              </a:rPr>
+                              <m:t>𝐹</m:t>
+                            </m:r>
+                          </m:e>
+                          <m:sub>
+                            <m:r>
+                              <a:rPr lang="en-US" b="0" i="1" smtClean="0">
+                                <a:latin typeface="Cambria Math" panose="02040503050406030204" pitchFamily="18" charset="0"/>
+                              </a:rPr>
+                              <m:t>𝐿</m:t>
+                            </m:r>
+                          </m:sub>
+                        </m:sSub>
+                        <m:r>
+                          <a:rPr lang="en-US" b="0" i="1" smtClean="0">
+                            <a:latin typeface="Cambria Math" panose="02040503050406030204" pitchFamily="18" charset="0"/>
+                          </a:rPr>
+                          <m:t>(</m:t>
+                        </m:r>
+                        <m:r>
+                          <a:rPr lang="en-US" b="0" i="1" smtClean="0">
+                            <a:latin typeface="Cambria Math" panose="02040503050406030204" pitchFamily="18" charset="0"/>
+                          </a:rPr>
+                          <m:t>𝐾</m:t>
+                        </m:r>
+                        <m:r>
+                          <a:rPr lang="en-US" b="0" i="1" smtClean="0">
+                            <a:latin typeface="Cambria Math" panose="02040503050406030204" pitchFamily="18" charset="0"/>
+                          </a:rPr>
+                          <m:t>,</m:t>
+                        </m:r>
+                        <m:r>
+                          <a:rPr lang="en-US" b="0" i="1" smtClean="0">
+                            <a:latin typeface="Cambria Math" panose="02040503050406030204" pitchFamily="18" charset="0"/>
+                          </a:rPr>
+                          <m:t>𝐿</m:t>
+                        </m:r>
+                        <m:r>
+                          <a:rPr lang="en-US" b="0" i="1" smtClean="0">
+                            <a:latin typeface="Cambria Math" panose="02040503050406030204" pitchFamily="18" charset="0"/>
+                          </a:rPr>
+                          <m:t>)</m:t>
+                        </m:r>
+                      </m:num>
+                      <m:den>
+                        <m:r>
+                          <a:rPr lang="en-US" b="0" i="1" smtClean="0">
+                            <a:latin typeface="Cambria Math" panose="02040503050406030204" pitchFamily="18" charset="0"/>
+                          </a:rPr>
+                          <m:t>𝑤</m:t>
+                        </m:r>
+                      </m:den>
+                    </m:f>
+                    <m:r>
+                      <a:rPr lang="en-US" b="0" i="1" smtClean="0">
+                        <a:latin typeface="Cambria Math" panose="02040503050406030204" pitchFamily="18" charset="0"/>
+                      </a:rPr>
+                      <m:t>=1</m:t>
+                    </m:r>
+                  </m:oMath>
+                </a14:m>
+                <a:endParaRPr lang="en-AU" dirty="0"/>
+              </a:p>
+              <a:p>
+                <a:r>
+                  <a:rPr lang="en-AU" dirty="0"/>
+                  <a:t>However, a firm with market power produces at marginal benefit equals marginal revenue (which is not necessarily = market price)</a:t>
+                </a:r>
+              </a:p>
+              <a:p>
+                <a14:m>
+                  <m:oMath xmlns:m="http://schemas.openxmlformats.org/officeDocument/2006/math">
+                    <m:r>
+                      <a:rPr lang="en-US" b="0" i="1" smtClean="0">
+                        <a:latin typeface="Cambria Math" panose="02040503050406030204" pitchFamily="18" charset="0"/>
+                      </a:rPr>
+                      <m:t>𝑤</m:t>
+                    </m:r>
+                    <m:r>
+                      <a:rPr lang="en-US" b="0" i="1" smtClean="0">
+                        <a:latin typeface="Cambria Math" panose="02040503050406030204" pitchFamily="18" charset="0"/>
+                      </a:rPr>
+                      <m:t>&lt;</m:t>
+                    </m:r>
+                    <m:sSub>
+                      <m:sSubPr>
+                        <m:ctrlPr>
+                          <a:rPr lang="en-US" b="0" i="1" smtClean="0">
+                            <a:latin typeface="Cambria Math" panose="02040503050406030204" pitchFamily="18" charset="0"/>
+                          </a:rPr>
+                        </m:ctrlPr>
+                      </m:sSubPr>
+                      <m:e>
+                        <m:r>
+                          <a:rPr lang="en-US" b="0" i="1" smtClean="0">
+                            <a:latin typeface="Cambria Math" panose="02040503050406030204" pitchFamily="18" charset="0"/>
+                          </a:rPr>
+                          <m:t>𝐹</m:t>
+                        </m:r>
+                      </m:e>
+                      <m:sub>
+                        <m:r>
+                          <a:rPr lang="en-US" b="0" i="1" smtClean="0">
+                            <a:latin typeface="Cambria Math" panose="02040503050406030204" pitchFamily="18" charset="0"/>
+                          </a:rPr>
+                          <m:t>𝐿</m:t>
+                        </m:r>
+                      </m:sub>
+                    </m:sSub>
+                    <m:d>
+                      <m:dPr>
+                        <m:ctrlPr>
+                          <a:rPr lang="en-US" b="0" i="1" smtClean="0">
+                            <a:latin typeface="Cambria Math" panose="02040503050406030204" pitchFamily="18" charset="0"/>
+                          </a:rPr>
+                        </m:ctrlPr>
+                      </m:dPr>
+                      <m:e>
+                        <m:r>
+                          <a:rPr lang="en-US" b="0" i="1" smtClean="0">
+                            <a:latin typeface="Cambria Math" panose="02040503050406030204" pitchFamily="18" charset="0"/>
+                          </a:rPr>
+                          <m:t>𝐾</m:t>
+                        </m:r>
+                        <m:r>
+                          <a:rPr lang="en-US" b="0" i="1" smtClean="0">
+                            <a:latin typeface="Cambria Math" panose="02040503050406030204" pitchFamily="18" charset="0"/>
+                          </a:rPr>
+                          <m:t>,</m:t>
+                        </m:r>
+                        <m:r>
+                          <a:rPr lang="en-US" b="0" i="1" smtClean="0">
+                            <a:latin typeface="Cambria Math" panose="02040503050406030204" pitchFamily="18" charset="0"/>
+                          </a:rPr>
+                          <m:t>𝐿</m:t>
+                        </m:r>
+                      </m:e>
+                    </m:d>
+                    <m:r>
+                      <a:rPr lang="en-US" b="0" i="1" smtClean="0">
+                        <a:latin typeface="Cambria Math" panose="02040503050406030204" pitchFamily="18" charset="0"/>
+                      </a:rPr>
+                      <m:t>→</m:t>
+                    </m:r>
+                    <m:f>
+                      <m:fPr>
+                        <m:ctrlPr>
+                          <a:rPr lang="en-US" i="1">
+                            <a:latin typeface="Cambria Math" panose="02040503050406030204" pitchFamily="18" charset="0"/>
+                          </a:rPr>
+                        </m:ctrlPr>
+                      </m:fPr>
+                      <m:num>
+                        <m:sSub>
+                          <m:sSubPr>
+                            <m:ctrlPr>
+                              <a:rPr lang="en-US" i="1">
+                                <a:latin typeface="Cambria Math" panose="02040503050406030204" pitchFamily="18" charset="0"/>
+                              </a:rPr>
+                            </m:ctrlPr>
+                          </m:sSubPr>
+                          <m:e>
+                            <m:r>
+                              <a:rPr lang="en-US" i="1">
+                                <a:latin typeface="Cambria Math" panose="02040503050406030204" pitchFamily="18" charset="0"/>
+                              </a:rPr>
+                              <m:t>𝐹</m:t>
+                            </m:r>
+                          </m:e>
+                          <m:sub>
+                            <m:r>
+                              <a:rPr lang="en-US" i="1">
+                                <a:latin typeface="Cambria Math" panose="02040503050406030204" pitchFamily="18" charset="0"/>
+                              </a:rPr>
+                              <m:t>𝐿</m:t>
+                            </m:r>
+                          </m:sub>
+                        </m:sSub>
+                        <m:r>
+                          <a:rPr lang="en-US" i="1">
+                            <a:latin typeface="Cambria Math" panose="02040503050406030204" pitchFamily="18" charset="0"/>
+                          </a:rPr>
+                          <m:t>(</m:t>
+                        </m:r>
+                        <m:r>
+                          <a:rPr lang="en-US" i="1">
+                            <a:latin typeface="Cambria Math" panose="02040503050406030204" pitchFamily="18" charset="0"/>
+                          </a:rPr>
+                          <m:t>𝐾</m:t>
+                        </m:r>
+                        <m:r>
+                          <a:rPr lang="en-US" i="1">
+                            <a:latin typeface="Cambria Math" panose="02040503050406030204" pitchFamily="18" charset="0"/>
+                          </a:rPr>
+                          <m:t>,</m:t>
+                        </m:r>
+                        <m:r>
+                          <a:rPr lang="en-US" i="1">
+                            <a:latin typeface="Cambria Math" panose="02040503050406030204" pitchFamily="18" charset="0"/>
+                          </a:rPr>
+                          <m:t>𝐿</m:t>
+                        </m:r>
+                        <m:r>
+                          <a:rPr lang="en-US" i="1">
+                            <a:latin typeface="Cambria Math" panose="02040503050406030204" pitchFamily="18" charset="0"/>
+                          </a:rPr>
+                          <m:t>)</m:t>
+                        </m:r>
+                      </m:num>
+                      <m:den>
+                        <m:r>
+                          <a:rPr lang="en-US" i="1">
+                            <a:latin typeface="Cambria Math" panose="02040503050406030204" pitchFamily="18" charset="0"/>
+                          </a:rPr>
+                          <m:t>𝑤</m:t>
+                        </m:r>
+                      </m:den>
+                    </m:f>
+                    <m:r>
+                      <a:rPr lang="en-US" b="0" i="1" smtClean="0">
+                        <a:latin typeface="Cambria Math" panose="02040503050406030204" pitchFamily="18" charset="0"/>
+                      </a:rPr>
+                      <m:t>&gt;</m:t>
+                    </m:r>
+                    <m:r>
+                      <a:rPr lang="en-US" i="1">
+                        <a:latin typeface="Cambria Math" panose="02040503050406030204" pitchFamily="18" charset="0"/>
+                      </a:rPr>
+                      <m:t>1</m:t>
+                    </m:r>
+                  </m:oMath>
+                </a14:m>
+                <a:endParaRPr lang="en-AU" dirty="0"/>
+              </a:p>
+              <a:p>
+                <a:r>
+                  <a:rPr lang="en-AU" dirty="0"/>
+                  <a:t>The higher it is from 1, the larger the market power of the firm.</a:t>
+                </a:r>
+              </a:p>
+              <a:p>
+                <a:endParaRPr lang="en-AU" dirty="0"/>
+              </a:p>
+            </p:txBody>
+          </p:sp>
+        </mc:Choice>
+        <mc:Fallback xmlns="">
+          <p:sp>
+            <p:nvSpPr>
+              <p:cNvPr id="3" name="Content Placeholder 2">
+                <a:extLst>
+                  <a:ext uri="{FF2B5EF4-FFF2-40B4-BE49-F238E27FC236}">
+                    <a16:creationId xmlns:a16="http://schemas.microsoft.com/office/drawing/2014/main" id="{CCDEB151-4374-0EC0-2E52-B53BB8A71AB7}"/>
+                  </a:ext>
+                </a:extLst>
+              </p:cNvPr>
+              <p:cNvSpPr>
+                <a:spLocks noGrp="1" noRot="1" noChangeAspect="1" noMove="1" noResize="1" noEditPoints="1" noAdjustHandles="1" noChangeArrowheads="1" noChangeShapeType="1" noTextEdit="1"/>
+              </p:cNvSpPr>
+              <p:nvPr>
+                <p:ph idx="1"/>
+              </p:nvPr>
+            </p:nvSpPr>
+            <p:spPr>
+              <a:blipFill>
+                <a:blip r:embed="rId2"/>
+                <a:stretch>
+                  <a:fillRect l="-1043" t="-3081" b="-1120"/>
+                </a:stretch>
+              </a:blipFill>
+            </p:spPr>
+            <p:txBody>
+              <a:bodyPr/>
+              <a:lstStyle/>
+              <a:p>
+                <a:r>
+                  <a:rPr lang="en-AU">
+                    <a:noFill/>
+                  </a:rPr>
+                  <a:t> </a:t>
+                </a:r>
+              </a:p>
+            </p:txBody>
+          </p:sp>
+        </mc:Fallback>
+      </mc:AlternateContent>
+    </p:spTree>
+    <p:extLst>
+      <p:ext uri="{BB962C8B-B14F-4D97-AF65-F5344CB8AC3E}">
+        <p14:creationId xmlns:p14="http://schemas.microsoft.com/office/powerpoint/2010/main" val="2116555532"/>
+      </p:ext>
+    </p:extLst>
+  </p:cSld>
+  <p:clrMapOvr>
+    <a:masterClrMapping/>
+  </p:clrMapOvr>
+</p:sld>
+</file>
+
+<file path=ppt/slides/slide4.xml><?xml version="1.0" encoding="utf-8"?>
+<p:sld xmlns:a="http://schemas.openxmlformats.org/drawingml/2006/main" xmlns:r="http://schemas.openxmlformats.org/officeDocument/2006/relationships" xmlns:p="http://schemas.openxmlformats.org/presentationml/2006/main">
+  <p:cSld>
+    <p:spTree>
+      <p:nvGrpSpPr>
+        <p:cNvPr id="1" name=""/>
+        <p:cNvGrpSpPr/>
+        <p:nvPr/>
+      </p:nvGrpSpPr>
+      <p:grpSpPr>
+        <a:xfrm>
+          <a:off x="0" y="0"/>
+          <a:ext cx="0" cy="0"/>
+          <a:chOff x="0" y="0"/>
+          <a:chExt cx="0" cy="0"/>
+        </a:xfrm>
+      </p:grpSpPr>
+      <p:sp>
+        <p:nvSpPr>
+          <p:cNvPr id="2" name="Title 1">
+            <a:extLst>
+              <a:ext uri="{FF2B5EF4-FFF2-40B4-BE49-F238E27FC236}">
+                <a16:creationId xmlns:a16="http://schemas.microsoft.com/office/drawing/2014/main" id="{CA12E107-7FE2-CF90-9780-7ADDBCE3CE01}"/>
+              </a:ext>
+            </a:extLst>
+          </p:cNvPr>
+          <p:cNvSpPr>
+            <a:spLocks noGrp="1"/>
+          </p:cNvSpPr>
+          <p:nvPr>
+            <p:ph type="title"/>
+          </p:nvPr>
+        </p:nvSpPr>
+        <p:spPr/>
+        <p:txBody>
+          <a:bodyPr/>
+          <a:lstStyle/>
+          <a:p>
+            <a:r>
+              <a:rPr lang="en-US" dirty="0"/>
+              <a:t>DLW framework (2)</a:t>
+            </a:r>
+            <a:endParaRPr lang="en-AU" dirty="0"/>
+          </a:p>
+        </p:txBody>
+      </p:sp>
+      <mc:AlternateContent xmlns:mc="http://schemas.openxmlformats.org/markup-compatibility/2006">
+        <mc:Choice xmlns:a14="http://schemas.microsoft.com/office/drawing/2010/main" Requires="a14">
+          <p:sp>
+            <p:nvSpPr>
+              <p:cNvPr id="3" name="Content Placeholder 2">
+                <a:extLst>
+                  <a:ext uri="{FF2B5EF4-FFF2-40B4-BE49-F238E27FC236}">
+                    <a16:creationId xmlns:a16="http://schemas.microsoft.com/office/drawing/2014/main" id="{663627D0-9C6A-DFFF-5DA8-3E5C3B54C509}"/>
+                  </a:ext>
+                </a:extLst>
+              </p:cNvPr>
+              <p:cNvSpPr>
+                <a:spLocks noGrp="1"/>
+              </p:cNvSpPr>
+              <p:nvPr>
+                <p:ph idx="1"/>
+              </p:nvPr>
+            </p:nvSpPr>
+            <p:spPr/>
+            <p:txBody>
+              <a:bodyPr>
+                <a:normAutofit lnSpcReduction="10000"/>
+              </a:bodyPr>
+              <a:lstStyle/>
+              <a:p>
+                <a:pPr marL="0" indent="0">
+                  <a:buNone/>
+                </a:pPr>
+                <a:r>
+                  <a:rPr lang="en-US" dirty="0"/>
+                  <a:t>Suppose a firm has a cobb-</a:t>
+                </a:r>
+                <a:r>
+                  <a:rPr lang="en-US" dirty="0" err="1"/>
+                  <a:t>douglass</a:t>
+                </a:r>
+                <a:r>
+                  <a:rPr lang="en-US" dirty="0"/>
+                  <a:t> production function </a:t>
+                </a:r>
+                <a14:m>
+                  <m:oMath xmlns:m="http://schemas.openxmlformats.org/officeDocument/2006/math">
+                    <m:r>
+                      <a:rPr lang="en-US" b="0" i="1" smtClean="0">
+                        <a:latin typeface="Cambria Math" panose="02040503050406030204" pitchFamily="18" charset="0"/>
+                      </a:rPr>
+                      <m:t>𝑄</m:t>
+                    </m:r>
+                    <m:r>
+                      <a:rPr lang="en-US" b="0" i="1" smtClean="0">
+                        <a:latin typeface="Cambria Math" panose="02040503050406030204" pitchFamily="18" charset="0"/>
+                      </a:rPr>
+                      <m:t>=</m:t>
+                    </m:r>
+                    <m:sSup>
+                      <m:sSupPr>
+                        <m:ctrlPr>
+                          <a:rPr lang="en-US" b="0" i="1" smtClean="0">
+                            <a:latin typeface="Cambria Math" panose="02040503050406030204" pitchFamily="18" charset="0"/>
+                          </a:rPr>
+                        </m:ctrlPr>
+                      </m:sSupPr>
+                      <m:e>
+                        <m:r>
+                          <a:rPr lang="en-US" b="0" i="1" smtClean="0">
+                            <a:latin typeface="Cambria Math" panose="02040503050406030204" pitchFamily="18" charset="0"/>
+                          </a:rPr>
+                          <m:t>𝐴𝐾</m:t>
+                        </m:r>
+                      </m:e>
+                      <m:sup>
+                        <m:r>
+                          <a:rPr lang="en-US" b="0" i="1" smtClean="0">
+                            <a:latin typeface="Cambria Math" panose="02040503050406030204" pitchFamily="18" charset="0"/>
+                          </a:rPr>
+                          <m:t>𝛼</m:t>
+                        </m:r>
+                      </m:sup>
+                    </m:sSup>
+                    <m:sSup>
+                      <m:sSupPr>
+                        <m:ctrlPr>
+                          <a:rPr lang="en-US" b="0" i="1" smtClean="0">
+                            <a:latin typeface="Cambria Math" panose="02040503050406030204" pitchFamily="18" charset="0"/>
+                          </a:rPr>
+                        </m:ctrlPr>
+                      </m:sSupPr>
+                      <m:e>
+                        <m:r>
+                          <a:rPr lang="en-US" b="0" i="1" smtClean="0">
+                            <a:latin typeface="Cambria Math" panose="02040503050406030204" pitchFamily="18" charset="0"/>
+                          </a:rPr>
+                          <m:t>𝐿</m:t>
+                        </m:r>
+                      </m:e>
+                      <m:sup>
+                        <m:r>
+                          <a:rPr lang="en-US" b="0" i="1" smtClean="0">
+                            <a:latin typeface="Cambria Math" panose="02040503050406030204" pitchFamily="18" charset="0"/>
+                          </a:rPr>
+                          <m:t>𝛽</m:t>
+                        </m:r>
+                      </m:sup>
+                    </m:sSup>
+                  </m:oMath>
+                </a14:m>
+                <a:r>
+                  <a:rPr lang="en-AU" dirty="0"/>
+                  <a:t>, a log approximation will give us a trivial linear system:</a:t>
+                </a:r>
+              </a:p>
+              <a:p>
+                <a:pPr marL="0" indent="0">
+                  <a:buNone/>
+                </a:pPr>
+                <a14:m>
+                  <m:oMathPara xmlns:m="http://schemas.openxmlformats.org/officeDocument/2006/math">
+                    <m:oMathParaPr>
+                      <m:jc m:val="centerGroup"/>
+                    </m:oMathParaPr>
+                    <m:oMath xmlns:m="http://schemas.openxmlformats.org/officeDocument/2006/math">
+                      <m:r>
+                        <a:rPr lang="en-US" b="0" i="1" smtClean="0">
+                          <a:latin typeface="Cambria Math" panose="02040503050406030204" pitchFamily="18" charset="0"/>
+                        </a:rPr>
+                        <m:t>𝑞</m:t>
+                      </m:r>
+                      <m:r>
+                        <a:rPr lang="en-US" b="0" i="1" smtClean="0">
+                          <a:latin typeface="Cambria Math" panose="02040503050406030204" pitchFamily="18" charset="0"/>
+                        </a:rPr>
+                        <m:t>=</m:t>
+                      </m:r>
+                      <m:r>
+                        <a:rPr lang="en-US" b="0" i="1" smtClean="0">
+                          <a:latin typeface="Cambria Math" panose="02040503050406030204" pitchFamily="18" charset="0"/>
+                        </a:rPr>
+                        <m:t>𝑎</m:t>
+                      </m:r>
+                      <m:r>
+                        <a:rPr lang="en-US" b="0" i="1" smtClean="0">
+                          <a:latin typeface="Cambria Math" panose="02040503050406030204" pitchFamily="18" charset="0"/>
+                        </a:rPr>
+                        <m:t>+</m:t>
+                      </m:r>
+                      <m:r>
+                        <a:rPr lang="en-US" b="0" i="1" smtClean="0">
+                          <a:latin typeface="Cambria Math" panose="02040503050406030204" pitchFamily="18" charset="0"/>
+                        </a:rPr>
+                        <m:t>𝛼</m:t>
+                      </m:r>
+                      <m:r>
+                        <a:rPr lang="en-US" b="0" i="1" smtClean="0">
+                          <a:latin typeface="Cambria Math" panose="02040503050406030204" pitchFamily="18" charset="0"/>
+                        </a:rPr>
+                        <m:t> </m:t>
+                      </m:r>
+                      <m:r>
+                        <a:rPr lang="en-US" b="0" i="1" smtClean="0">
+                          <a:latin typeface="Cambria Math" panose="02040503050406030204" pitchFamily="18" charset="0"/>
+                        </a:rPr>
+                        <m:t>𝑘</m:t>
+                      </m:r>
+                      <m:r>
+                        <a:rPr lang="en-US" b="0" i="1" smtClean="0">
+                          <a:latin typeface="Cambria Math" panose="02040503050406030204" pitchFamily="18" charset="0"/>
+                        </a:rPr>
+                        <m:t>+</m:t>
+                      </m:r>
+                      <m:r>
+                        <a:rPr lang="en-US" b="0" i="1" smtClean="0">
+                          <a:latin typeface="Cambria Math" panose="02040503050406030204" pitchFamily="18" charset="0"/>
+                        </a:rPr>
+                        <m:t>𝛽</m:t>
+                      </m:r>
+                      <m:r>
+                        <a:rPr lang="en-US" b="0" i="1" smtClean="0">
+                          <a:latin typeface="Cambria Math" panose="02040503050406030204" pitchFamily="18" charset="0"/>
+                        </a:rPr>
+                        <m:t>𝑙</m:t>
+                      </m:r>
+                    </m:oMath>
+                  </m:oMathPara>
+                </a14:m>
+                <a:endParaRPr lang="en-AU" dirty="0"/>
+              </a:p>
+              <a:p>
+                <a:pPr marL="0" indent="0">
+                  <a:buNone/>
+                </a:pPr>
+                <a:r>
+                  <a:rPr lang="en-AU" dirty="0"/>
+                  <a:t>Where a lower case is the log of its uppercase counterpart. We can estimate this with an OLS which give us </a:t>
+                </a:r>
+                <a14:m>
+                  <m:oMath xmlns:m="http://schemas.openxmlformats.org/officeDocument/2006/math">
+                    <m:sSub>
+                      <m:sSubPr>
+                        <m:ctrlPr>
+                          <a:rPr lang="en-US" b="0" i="1" smtClean="0">
+                            <a:latin typeface="Cambria Math" panose="02040503050406030204" pitchFamily="18" charset="0"/>
+                          </a:rPr>
+                        </m:ctrlPr>
+                      </m:sSubPr>
+                      <m:e>
+                        <m:r>
+                          <a:rPr lang="en-US" b="0" i="1" smtClean="0">
+                            <a:latin typeface="Cambria Math" panose="02040503050406030204" pitchFamily="18" charset="0"/>
+                          </a:rPr>
+                          <m:t>𝐹</m:t>
+                        </m:r>
+                      </m:e>
+                      <m:sub>
+                        <m:r>
+                          <a:rPr lang="en-US" b="0" i="1" smtClean="0">
+                            <a:latin typeface="Cambria Math" panose="02040503050406030204" pitchFamily="18" charset="0"/>
+                          </a:rPr>
+                          <m:t>𝐿</m:t>
+                        </m:r>
+                      </m:sub>
+                    </m:sSub>
+                    <m:d>
+                      <m:dPr>
+                        <m:ctrlPr>
+                          <a:rPr lang="en-US" b="0" i="1" smtClean="0">
+                            <a:latin typeface="Cambria Math" panose="02040503050406030204" pitchFamily="18" charset="0"/>
+                          </a:rPr>
+                        </m:ctrlPr>
+                      </m:dPr>
+                      <m:e>
+                        <m:r>
+                          <a:rPr lang="en-US" b="0" i="1" smtClean="0">
+                            <a:latin typeface="Cambria Math" panose="02040503050406030204" pitchFamily="18" charset="0"/>
+                          </a:rPr>
+                          <m:t>𝐾</m:t>
+                        </m:r>
+                        <m:r>
+                          <a:rPr lang="en-US" b="0" i="1" smtClean="0">
+                            <a:latin typeface="Cambria Math" panose="02040503050406030204" pitchFamily="18" charset="0"/>
+                          </a:rPr>
+                          <m:t>,</m:t>
+                        </m:r>
+                        <m:r>
+                          <a:rPr lang="en-US" b="0" i="1" smtClean="0">
+                            <a:latin typeface="Cambria Math" panose="02040503050406030204" pitchFamily="18" charset="0"/>
+                          </a:rPr>
+                          <m:t>𝐿</m:t>
+                        </m:r>
+                      </m:e>
+                    </m:d>
+                    <m:r>
+                      <a:rPr lang="en-US" b="0" i="1" smtClean="0">
+                        <a:latin typeface="Cambria Math" panose="02040503050406030204" pitchFamily="18" charset="0"/>
+                      </a:rPr>
+                      <m:t>=</m:t>
+                    </m:r>
+                    <m:r>
+                      <a:rPr lang="en-US" b="0" i="1" smtClean="0">
+                        <a:latin typeface="Cambria Math" panose="02040503050406030204" pitchFamily="18" charset="0"/>
+                      </a:rPr>
+                      <m:t>𝛽</m:t>
+                    </m:r>
+                  </m:oMath>
+                </a14:m>
+                <a:endParaRPr lang="en-AU" dirty="0"/>
+              </a:p>
+              <a:p>
+                <a:pPr marL="0" indent="0">
+                  <a:buNone/>
+                </a:pPr>
+                <a:r>
+                  <a:rPr lang="en-US" dirty="0"/>
+                  <a:t>Under the perfect competition assumption, </a:t>
+                </a:r>
+                <a14:m>
+                  <m:oMath xmlns:m="http://schemas.openxmlformats.org/officeDocument/2006/math">
+                    <m:r>
+                      <a:rPr lang="en-US" b="0" i="1" smtClean="0">
+                        <a:latin typeface="Cambria Math" panose="02040503050406030204" pitchFamily="18" charset="0"/>
+                      </a:rPr>
+                      <m:t>𝛽</m:t>
+                    </m:r>
+                  </m:oMath>
+                </a14:m>
+                <a:r>
+                  <a:rPr lang="en-AU" dirty="0"/>
+                  <a:t>=labour share of the firm.</a:t>
+                </a:r>
+              </a:p>
+              <a:p>
+                <a:r>
+                  <a:rPr lang="en-AU" dirty="0"/>
+                  <a:t>DLW benefits from a robust TFP estimation which is also improved in the literature (</a:t>
+                </a:r>
+                <a:r>
+                  <a:rPr lang="en-AU" dirty="0" err="1"/>
+                  <a:t>Levinsohn</a:t>
+                </a:r>
+                <a:r>
+                  <a:rPr lang="en-AU" dirty="0"/>
+                  <a:t> and </a:t>
+                </a:r>
+                <a:r>
+                  <a:rPr lang="en-AU" dirty="0" err="1"/>
+                  <a:t>Petrin</a:t>
+                </a:r>
+                <a:r>
+                  <a:rPr lang="en-AU" dirty="0"/>
+                  <a:t> 2003, ACF 2015).</a:t>
+                </a:r>
+              </a:p>
+              <a:p>
+                <a:r>
+                  <a:rPr lang="en-AU" dirty="0"/>
+                  <a:t>The opposite is also true: </a:t>
+                </a:r>
+                <a14:m>
+                  <m:oMath xmlns:m="http://schemas.openxmlformats.org/officeDocument/2006/math">
+                    <m:f>
+                      <m:fPr>
+                        <m:ctrlPr>
+                          <a:rPr lang="en-US" b="0" i="1" smtClean="0">
+                            <a:latin typeface="Cambria Math" panose="02040503050406030204" pitchFamily="18" charset="0"/>
+                          </a:rPr>
+                        </m:ctrlPr>
+                      </m:fPr>
+                      <m:num>
+                        <m:r>
+                          <a:rPr lang="en-US" b="0" i="1" smtClean="0">
+                            <a:latin typeface="Cambria Math" panose="02040503050406030204" pitchFamily="18" charset="0"/>
+                          </a:rPr>
+                          <m:t>𝛽</m:t>
+                        </m:r>
+                      </m:num>
+                      <m:den>
+                        <m:r>
+                          <a:rPr lang="en-US" b="0" i="1" smtClean="0">
+                            <a:latin typeface="Cambria Math" panose="02040503050406030204" pitchFamily="18" charset="0"/>
+                          </a:rPr>
+                          <m:t>𝑤</m:t>
+                        </m:r>
+                      </m:den>
+                    </m:f>
+                    <m:r>
+                      <a:rPr lang="en-US" b="0" i="1" smtClean="0">
+                        <a:latin typeface="Cambria Math" panose="02040503050406030204" pitchFamily="18" charset="0"/>
+                      </a:rPr>
+                      <m:t>&lt;1</m:t>
+                    </m:r>
+                  </m:oMath>
+                </a14:m>
+                <a:r>
+                  <a:rPr lang="en-AU" dirty="0"/>
+                  <a:t> indicates a very strong labour market.</a:t>
+                </a:r>
+              </a:p>
+            </p:txBody>
+          </p:sp>
+        </mc:Choice>
+        <mc:Fallback>
+          <p:sp>
+            <p:nvSpPr>
+              <p:cNvPr id="3" name="Content Placeholder 2">
+                <a:extLst>
+                  <a:ext uri="{FF2B5EF4-FFF2-40B4-BE49-F238E27FC236}">
+                    <a16:creationId xmlns:a16="http://schemas.microsoft.com/office/drawing/2014/main" id="{663627D0-9C6A-DFFF-5DA8-3E5C3B54C509}"/>
+                  </a:ext>
+                </a:extLst>
+              </p:cNvPr>
+              <p:cNvSpPr>
+                <a:spLocks noGrp="1" noRot="1" noChangeAspect="1" noMove="1" noResize="1" noEditPoints="1" noAdjustHandles="1" noChangeArrowheads="1" noChangeShapeType="1" noTextEdit="1"/>
+              </p:cNvSpPr>
+              <p:nvPr>
+                <p:ph idx="1"/>
+              </p:nvPr>
+            </p:nvSpPr>
+            <p:spPr>
+              <a:blipFill>
+                <a:blip r:embed="rId2"/>
+                <a:stretch>
+                  <a:fillRect l="-1217" t="-2801" r="-1739" b="-1401"/>
+                </a:stretch>
+              </a:blipFill>
+            </p:spPr>
+            <p:txBody>
+              <a:bodyPr/>
+              <a:lstStyle/>
+              <a:p>
+                <a:r>
+                  <a:rPr lang="en-AU">
+                    <a:noFill/>
+                  </a:rPr>
+                  <a:t> </a:t>
+                </a:r>
+              </a:p>
+            </p:txBody>
+          </p:sp>
+        </mc:Fallback>
+      </mc:AlternateContent>
+    </p:spTree>
+    <p:extLst>
+      <p:ext uri="{BB962C8B-B14F-4D97-AF65-F5344CB8AC3E}">
+        <p14:creationId xmlns:p14="http://schemas.microsoft.com/office/powerpoint/2010/main" val="3430880178"/>
       </p:ext>
     </p:extLst>
   </p:cSld>
